--- a/streams/presentation.pptx
+++ b/streams/presentation.pptx
@@ -114,6 +114,11 @@
       </a:defRPr>
     </a:lvl9pPr>
   </p:defaultTextStyle>
+  <p:extLst>
+    <p:ext uri="{EFAFB233-063F-42B5-8137-9DF3F51BA10A}">
+      <p15:sldGuideLst xmlns:p15="http://schemas.microsoft.com/office/powerpoint/2012/main"/>
+    </p:ext>
+  </p:extLst>
 </p:presentation>
 </file>
 
@@ -391,7 +396,7 @@
           <a:p>
             <a:fld id="{78ABE3C1-DBE1-495D-B57B-2849774B866A}" type="datetimeFigureOut">
               <a:rPr lang="en-US" dirty="0"/>
-              <a:t>5/17/23</a:t>
+              <a:t>5/22/23</a:t>
             </a:fld>
             <a:endParaRPr lang="en-US" dirty="0"/>
           </a:p>
@@ -800,7 +805,7 @@
           <a:p>
             <a:fld id="{446C117F-5CCF-4837-BE5F-2B92066CAFAF}" type="datetimeFigureOut">
               <a:rPr lang="en-US" dirty="0"/>
-              <a:t>5/17/23</a:t>
+              <a:t>5/22/23</a:t>
             </a:fld>
             <a:endParaRPr lang="en-US" dirty="0"/>
           </a:p>
@@ -1131,7 +1136,7 @@
           <a:p>
             <a:fld id="{84EB90BD-B6CE-46B7-997F-7313B992CCDC}" type="datetimeFigureOut">
               <a:rPr lang="en-US" dirty="0"/>
-              <a:t>5/17/23</a:t>
+              <a:t>5/22/23</a:t>
             </a:fld>
             <a:endParaRPr lang="en-US" dirty="0"/>
           </a:p>
@@ -1531,7 +1536,7 @@
           <a:p>
             <a:fld id="{CDB9D11F-B188-461D-B23F-39381795C052}" type="datetimeFigureOut">
               <a:rPr lang="en-US" dirty="0"/>
-              <a:t>5/17/23</a:t>
+              <a:t>5/22/23</a:t>
             </a:fld>
             <a:endParaRPr lang="en-US" dirty="0"/>
           </a:p>
@@ -2094,7 +2099,7 @@
           <a:p>
             <a:fld id="{52E6D8D9-55A2-4063-B0F3-121F44549695}" type="datetimeFigureOut">
               <a:rPr lang="en-US" dirty="0"/>
-              <a:t>5/17/23</a:t>
+              <a:t>5/22/23</a:t>
             </a:fld>
             <a:endParaRPr lang="en-US" dirty="0"/>
           </a:p>
@@ -2770,7 +2775,7 @@
           <a:p>
             <a:fld id="{D4B24536-994D-4021-A283-9F449C0DB509}" type="datetimeFigureOut">
               <a:rPr lang="en-US" dirty="0"/>
-              <a:t>5/17/23</a:t>
+              <a:t>5/22/23</a:t>
             </a:fld>
             <a:endParaRPr lang="en-US" dirty="0"/>
           </a:p>
@@ -3678,7 +3683,7 @@
           <a:p>
             <a:fld id="{3CBBBB78-C96F-47B7-AB17-D852CA960AC9}" type="datetimeFigureOut">
               <a:rPr lang="en-US" dirty="0"/>
-              <a:t>5/17/23</a:t>
+              <a:t>5/22/23</a:t>
             </a:fld>
             <a:endParaRPr lang="en-US" dirty="0"/>
           </a:p>
@@ -3986,7 +3991,7 @@
           <a:p>
             <a:fld id="{1FA3F48C-C7C6-4055-9F49-3777875E72AE}" type="datetimeFigureOut">
               <a:rPr lang="en-US" dirty="0"/>
-              <a:t>5/17/23</a:t>
+              <a:t>5/22/23</a:t>
             </a:fld>
             <a:endParaRPr lang="en-US" dirty="0"/>
           </a:p>
@@ -4245,7 +4250,7 @@
           <a:p>
             <a:fld id="{6178E61D-D431-422C-9764-11DAFE33AB63}" type="datetimeFigureOut">
               <a:rPr lang="en-US" dirty="0"/>
-              <a:t>5/17/23</a:t>
+              <a:t>5/22/23</a:t>
             </a:fld>
             <a:endParaRPr lang="en-US" dirty="0"/>
           </a:p>
@@ -4564,7 +4569,7 @@
           <a:p>
             <a:fld id="{12DE42F4-6EEF-4EF7-8ED4-2208F0F89A08}" type="datetimeFigureOut">
               <a:rPr lang="en-US" dirty="0"/>
-              <a:t>5/17/23</a:t>
+              <a:t>5/22/23</a:t>
             </a:fld>
             <a:endParaRPr lang="en-US" dirty="0"/>
           </a:p>
@@ -4948,7 +4953,7 @@
           <a:p>
             <a:fld id="{30578ACC-22D6-47C1-A373-4FD133E34F3C}" type="datetimeFigureOut">
               <a:rPr lang="en-US" dirty="0"/>
-              <a:t>5/17/23</a:t>
+              <a:t>5/22/23</a:t>
             </a:fld>
             <a:endParaRPr lang="en-US" dirty="0"/>
           </a:p>
@@ -5319,7 +5324,7 @@
           <a:p>
             <a:fld id="{4E5A6C69-6797-4E8A-BF37-F2C3751466E9}" type="datetimeFigureOut">
               <a:rPr lang="en-US" dirty="0"/>
-              <a:t>5/17/23</a:t>
+              <a:t>5/22/23</a:t>
             </a:fld>
             <a:endParaRPr lang="en-US" dirty="0"/>
           </a:p>
@@ -5820,7 +5825,7 @@
           <a:p>
             <a:fld id="{D82014A1-A632-4878-A0D3-F52BA7563730}" type="datetimeFigureOut">
               <a:rPr lang="en-US" dirty="0"/>
-              <a:t>5/17/23</a:t>
+              <a:t>5/22/23</a:t>
             </a:fld>
             <a:endParaRPr lang="en-US" dirty="0"/>
           </a:p>
@@ -6072,7 +6077,7 @@
           <a:p>
             <a:fld id="{CE99F462-093F-4566-844B-4C71F2739DA5}" type="datetimeFigureOut">
               <a:rPr lang="en-US" dirty="0"/>
-              <a:t>5/17/23</a:t>
+              <a:t>5/22/23</a:t>
             </a:fld>
             <a:endParaRPr lang="en-US" dirty="0"/>
           </a:p>
@@ -6230,7 +6235,7 @@
           <a:p>
             <a:fld id="{3D24A7AC-904D-4781-85BA-7D10C17ED021}" type="datetimeFigureOut">
               <a:rPr lang="en-US" dirty="0"/>
-              <a:t>5/17/23</a:t>
+              <a:t>5/22/23</a:t>
             </a:fld>
             <a:endParaRPr lang="en-US" dirty="0"/>
           </a:p>
@@ -6615,7 +6620,7 @@
           <a:p>
             <a:fld id="{E331444B-B92B-4E27-8C94-BB93EAF5CB18}" type="datetimeFigureOut">
               <a:rPr lang="en-US" dirty="0"/>
-              <a:t>5/17/23</a:t>
+              <a:t>5/22/23</a:t>
             </a:fld>
             <a:endParaRPr lang="en-US" dirty="0"/>
           </a:p>
@@ -7019,7 +7024,7 @@
           <a:p>
             <a:fld id="{363EFA5E-FA76-400D-B3DC-F0BA90E6D107}" type="datetimeFigureOut">
               <a:rPr lang="en-US" dirty="0"/>
-              <a:t>5/17/23</a:t>
+              <a:t>5/22/23</a:t>
             </a:fld>
             <a:endParaRPr lang="en-US" dirty="0"/>
           </a:p>
@@ -7258,7 +7263,7 @@
           <a:p>
             <a:fld id="{9D6E9DEC-419B-4CC5-A080-3B06BD5A8291}" type="datetimeFigureOut">
               <a:rPr lang="en-US" dirty="0"/>
-              <a:t>5/17/23</a:t>
+              <a:t>5/22/23</a:t>
             </a:fld>
             <a:endParaRPr lang="en-US" dirty="0"/>
           </a:p>
@@ -9644,7 +9649,7 @@
         <p:spPr/>
         <p:txBody>
           <a:bodyPr>
-            <a:normAutofit fontScale="92500" lnSpcReduction="10000"/>
+            <a:normAutofit fontScale="85000" lnSpcReduction="20000"/>
           </a:bodyPr>
           <a:lstStyle/>
           <a:p>
@@ -9697,6 +9702,54 @@
               <a:rPr lang="ru-RU" sz="2400" dirty="0"/>
               <a:t>– получение первого элемента.</a:t>
             </a:r>
+            <a:endParaRPr lang="en-US" sz="2400" dirty="0"/>
+          </a:p>
+          <a:p>
+            <a:r>
+              <a:rPr lang="en-US" sz="2400" i="1" dirty="0" err="1"/>
+              <a:t>findAny</a:t>
+            </a:r>
+            <a:r>
+              <a:rPr lang="en-US" sz="2400" i="1" dirty="0"/>
+              <a:t>() – </a:t>
+            </a:r>
+            <a:r>
+              <a:rPr lang="ru-RU" dirty="0"/>
+              <a:t>получение любого элемента(в </a:t>
+            </a:r>
+            <a:r>
+              <a:rPr lang="ru-RU" dirty="0" err="1"/>
+              <a:t>однопоточке</a:t>
+            </a:r>
+            <a:r>
+              <a:rPr lang="ru-RU" dirty="0"/>
+              <a:t> будет всегда возвращаться первый элемент</a:t>
+            </a:r>
+            <a:r>
+              <a:rPr lang="en-US" dirty="0"/>
+              <a:t>[</a:t>
+            </a:r>
+            <a:r>
+              <a:rPr lang="ru-RU" dirty="0"/>
+              <a:t>но это не точно</a:t>
+            </a:r>
+            <a:r>
+              <a:rPr lang="en-US" dirty="0"/>
+              <a:t>]</a:t>
+            </a:r>
+            <a:r>
+              <a:rPr lang="ru-RU" dirty="0"/>
+              <a:t>, а </a:t>
+            </a:r>
+            <a:r>
+              <a:rPr lang="ru-RU" dirty="0" err="1"/>
+              <a:t>многопоточке</a:t>
+            </a:r>
+            <a:r>
+              <a:rPr lang="ru-RU" dirty="0"/>
+              <a:t> – не факт).</a:t>
+            </a:r>
+            <a:endParaRPr lang="ru-RU" sz="2400" i="1" dirty="0"/>
           </a:p>
           <a:p>
             <a:r>
